--- a/Präsentation ER706 .pptx
+++ b/Präsentation ER706 .pptx
@@ -10,9 +10,10 @@
     <p:sldId id="259" r:id="rId4"/>
     <p:sldId id="260" r:id="rId5"/>
     <p:sldId id="261" r:id="rId6"/>
-    <p:sldId id="262" r:id="rId7"/>
-    <p:sldId id="263" r:id="rId8"/>
-    <p:sldId id="258" r:id="rId9"/>
+    <p:sldId id="264" r:id="rId7"/>
+    <p:sldId id="262" r:id="rId8"/>
+    <p:sldId id="263" r:id="rId9"/>
+    <p:sldId id="258" r:id="rId10"/>
   </p:sldIdLst>
   <p:sldSz cx="12192000" cy="6858000"/>
   <p:notesSz cx="6858000" cy="9144000"/>
@@ -530,7 +531,7 @@
           <a:p>
             <a:fld id="{E80C50CD-E178-4744-9B35-B2F624D6C5E9}" type="datetimeFigureOut">
               <a:rPr lang="en-US" smtClean="0"/>
-              <a:t>12/15/2025</a:t>
+              <a:t>12/17/2025</a:t>
             </a:fld>
             <a:endParaRPr lang="en-US"/>
           </a:p>
@@ -728,7 +729,7 @@
           <a:p>
             <a:fld id="{E80C50CD-E178-4744-9B35-B2F624D6C5E9}" type="datetimeFigureOut">
               <a:rPr lang="en-US" smtClean="0"/>
-              <a:t>12/15/2025</a:t>
+              <a:t>12/17/2025</a:t>
             </a:fld>
             <a:endParaRPr lang="en-US"/>
           </a:p>
@@ -936,7 +937,7 @@
           <a:p>
             <a:fld id="{E80C50CD-E178-4744-9B35-B2F624D6C5E9}" type="datetimeFigureOut">
               <a:rPr lang="en-US" smtClean="0"/>
-              <a:t>12/15/2025</a:t>
+              <a:t>12/17/2025</a:t>
             </a:fld>
             <a:endParaRPr lang="en-US"/>
           </a:p>
@@ -1186,7 +1187,7 @@
           <a:p>
             <a:fld id="{E80C50CD-E178-4744-9B35-B2F624D6C5E9}" type="datetimeFigureOut">
               <a:rPr lang="en-US" smtClean="0"/>
-              <a:t>12/15/2025</a:t>
+              <a:t>12/17/2025</a:t>
             </a:fld>
             <a:endParaRPr lang="en-US"/>
           </a:p>
@@ -1465,7 +1466,7 @@
           <a:p>
             <a:fld id="{E80C50CD-E178-4744-9B35-B2F624D6C5E9}" type="datetimeFigureOut">
               <a:rPr lang="en-US" smtClean="0"/>
-              <a:t>12/15/2025</a:t>
+              <a:t>12/17/2025</a:t>
             </a:fld>
             <a:endParaRPr lang="en-US"/>
           </a:p>
@@ -1782,7 +1783,7 @@
           <a:p>
             <a:fld id="{E80C50CD-E178-4744-9B35-B2F624D6C5E9}" type="datetimeFigureOut">
               <a:rPr lang="en-US" smtClean="0"/>
-              <a:t>12/15/2025</a:t>
+              <a:t>12/17/2025</a:t>
             </a:fld>
             <a:endParaRPr lang="en-US"/>
           </a:p>
@@ -2198,7 +2199,7 @@
           <a:p>
             <a:fld id="{E80C50CD-E178-4744-9B35-B2F624D6C5E9}" type="datetimeFigureOut">
               <a:rPr lang="en-US" smtClean="0"/>
-              <a:t>12/15/2025</a:t>
+              <a:t>12/17/2025</a:t>
             </a:fld>
             <a:endParaRPr lang="en-US"/>
           </a:p>
@@ -2339,7 +2340,7 @@
           <a:p>
             <a:fld id="{E80C50CD-E178-4744-9B35-B2F624D6C5E9}" type="datetimeFigureOut">
               <a:rPr lang="en-US" smtClean="0"/>
-              <a:t>12/15/2025</a:t>
+              <a:t>12/17/2025</a:t>
             </a:fld>
             <a:endParaRPr lang="en-US"/>
           </a:p>
@@ -2452,7 +2453,7 @@
           <a:p>
             <a:fld id="{E80C50CD-E178-4744-9B35-B2F624D6C5E9}" type="datetimeFigureOut">
               <a:rPr lang="en-US" smtClean="0"/>
-              <a:t>12/15/2025</a:t>
+              <a:t>12/17/2025</a:t>
             </a:fld>
             <a:endParaRPr lang="en-US"/>
           </a:p>
@@ -2769,7 +2770,7 @@
           <a:p>
             <a:fld id="{E80C50CD-E178-4744-9B35-B2F624D6C5E9}" type="datetimeFigureOut">
               <a:rPr lang="en-US" smtClean="0"/>
-              <a:t>12/15/2025</a:t>
+              <a:t>12/17/2025</a:t>
             </a:fld>
             <a:endParaRPr lang="en-US"/>
           </a:p>
@@ -3061,7 +3062,7 @@
           <a:p>
             <a:fld id="{E80C50CD-E178-4744-9B35-B2F624D6C5E9}" type="datetimeFigureOut">
               <a:rPr lang="en-US" smtClean="0"/>
-              <a:t>12/15/2025</a:t>
+              <a:t>12/17/2025</a:t>
             </a:fld>
             <a:endParaRPr lang="en-US"/>
           </a:p>
@@ -3301,7 +3302,7 @@
             <a:fld id="{E80C50CD-E178-4744-9B35-B2F624D6C5E9}" type="datetimeFigureOut">
               <a:rPr lang="en-US" smtClean="0"/>
               <a:pPr/>
-              <a:t>12/15/2025</a:t>
+              <a:t>12/17/2025</a:t>
             </a:fld>
             <a:endParaRPr lang="en-US"/>
           </a:p>
@@ -5443,6 +5444,276 @@
         <p:cNvPr id="1" name="">
           <a:extLst>
             <a:ext uri="{FF2B5EF4-FFF2-40B4-BE49-F238E27FC236}">
+              <a16:creationId xmlns:a16="http://schemas.microsoft.com/office/drawing/2014/main" id="{5F183533-5CC9-ED4B-A60F-C3277F254E03}"/>
+            </a:ext>
+          </a:extLst>
+        </p:cNvPr>
+        <p:cNvGrpSpPr/>
+        <p:nvPr/>
+      </p:nvGrpSpPr>
+      <p:grpSpPr>
+        <a:xfrm>
+          <a:off x="0" y="0"/>
+          <a:ext cx="0" cy="0"/>
+          <a:chOff x="0" y="0"/>
+          <a:chExt cx="0" cy="0"/>
+        </a:xfrm>
+      </p:grpSpPr>
+      <p:sp>
+        <p:nvSpPr>
+          <p:cNvPr id="2" name="Titel 1">
+            <a:extLst>
+              <a:ext uri="{FF2B5EF4-FFF2-40B4-BE49-F238E27FC236}">
+                <a16:creationId xmlns:a16="http://schemas.microsoft.com/office/drawing/2014/main" id="{BA402F58-890F-9D94-807E-E77B0519B876}"/>
+              </a:ext>
+            </a:extLst>
+          </p:cNvPr>
+          <p:cNvSpPr>
+            <a:spLocks noGrp="1"/>
+          </p:cNvSpPr>
+          <p:nvPr>
+            <p:ph type="title"/>
+          </p:nvPr>
+        </p:nvSpPr>
+        <p:spPr/>
+        <p:txBody>
+          <a:bodyPr/>
+          <a:lstStyle/>
+          <a:p>
+            <a:pPr algn="ctr"/>
+            <a:r>
+              <a:rPr lang="de-DE" dirty="0" err="1">
+                <a:solidFill>
+                  <a:schemeClr val="bg2"/>
+                </a:solidFill>
+              </a:rPr>
+              <a:t>Behaviour</a:t>
+            </a:r>
+            <a:r>
+              <a:rPr lang="de-DE" dirty="0">
+                <a:solidFill>
+                  <a:schemeClr val="bg2"/>
+                </a:solidFill>
+              </a:rPr>
+              <a:t> Control</a:t>
+            </a:r>
+            <a:endParaRPr lang="en-GB" dirty="0">
+              <a:solidFill>
+                <a:schemeClr val="bg2"/>
+              </a:solidFill>
+            </a:endParaRPr>
+          </a:p>
+        </p:txBody>
+      </p:sp>
+      <p:sp>
+        <p:nvSpPr>
+          <p:cNvPr id="3" name="Inhaltsplatzhalter 2">
+            <a:extLst>
+              <a:ext uri="{FF2B5EF4-FFF2-40B4-BE49-F238E27FC236}">
+                <a16:creationId xmlns:a16="http://schemas.microsoft.com/office/drawing/2014/main" id="{4ACEAB0B-F6D0-13BC-DD2E-8CD505A86848}"/>
+              </a:ext>
+            </a:extLst>
+          </p:cNvPr>
+          <p:cNvSpPr>
+            <a:spLocks noGrp="1"/>
+          </p:cNvSpPr>
+          <p:nvPr>
+            <p:ph idx="1"/>
+          </p:nvPr>
+        </p:nvSpPr>
+        <p:spPr>
+          <a:xfrm>
+            <a:off x="521208" y="1867408"/>
+            <a:ext cx="11149584" cy="4654042"/>
+          </a:xfrm>
+          <a:noFill/>
+        </p:spPr>
+        <p:txBody>
+          <a:bodyPr>
+            <a:normAutofit/>
+          </a:bodyPr>
+          <a:lstStyle/>
+          <a:p>
+            <a:pPr marL="0" indent="0">
+              <a:buNone/>
+            </a:pPr>
+            <a:r>
+              <a:rPr lang="de-DE" dirty="0">
+                <a:solidFill>
+                  <a:schemeClr val="bg1"/>
+                </a:solidFill>
+              </a:rPr>
+              <a:t>Bandbreitenkontrolle</a:t>
+            </a:r>
+          </a:p>
+          <a:p>
+            <a:pPr>
+              <a:buFontTx/>
+              <a:buChar char="-"/>
+            </a:pPr>
+            <a:r>
+              <a:rPr lang="de-DE" dirty="0">
+                <a:solidFill>
+                  <a:schemeClr val="bg1"/>
+                </a:solidFill>
+              </a:rPr>
+              <a:t>Je nach User / Gruppe / Service</a:t>
+            </a:r>
+          </a:p>
+          <a:p>
+            <a:pPr marL="0" indent="0">
+              <a:buNone/>
+            </a:pPr>
+            <a:r>
+              <a:rPr lang="de-DE" dirty="0">
+                <a:solidFill>
+                  <a:schemeClr val="bg1"/>
+                </a:solidFill>
+              </a:rPr>
+              <a:t>Applikationskontrolle (nach L7)</a:t>
+            </a:r>
+          </a:p>
+          <a:p>
+            <a:pPr>
+              <a:buFontTx/>
+              <a:buChar char="-"/>
+            </a:pPr>
+            <a:r>
+              <a:rPr lang="de-DE" dirty="0">
+                <a:solidFill>
+                  <a:schemeClr val="bg1"/>
+                </a:solidFill>
+              </a:rPr>
+              <a:t>Block von Anwendungen wie z.B. soziale Medien, Spiele etc.</a:t>
+            </a:r>
+          </a:p>
+          <a:p>
+            <a:pPr marL="0" indent="0">
+              <a:buNone/>
+            </a:pPr>
+            <a:r>
+              <a:rPr lang="de-DE" dirty="0">
+                <a:solidFill>
+                  <a:schemeClr val="bg1"/>
+                </a:solidFill>
+              </a:rPr>
+              <a:t>Web Filterung</a:t>
+            </a:r>
+          </a:p>
+          <a:p>
+            <a:pPr>
+              <a:buFontTx/>
+              <a:buChar char="-"/>
+            </a:pPr>
+            <a:r>
+              <a:rPr lang="de-DE" dirty="0">
+                <a:solidFill>
+                  <a:schemeClr val="bg1"/>
+                </a:solidFill>
+              </a:rPr>
+              <a:t>Blockiert bestimmte Domains oder ganze Kategorien</a:t>
+            </a:r>
+          </a:p>
+          <a:p>
+            <a:pPr marL="0" indent="0">
+              <a:buNone/>
+            </a:pPr>
+            <a:r>
+              <a:rPr lang="de-DE" dirty="0">
+                <a:solidFill>
+                  <a:schemeClr val="bg1"/>
+                </a:solidFill>
+              </a:rPr>
+              <a:t>Online Erkennung / Host Status</a:t>
+            </a:r>
+          </a:p>
+          <a:p>
+            <a:pPr>
+              <a:buFontTx/>
+              <a:buChar char="-"/>
+            </a:pPr>
+            <a:r>
+              <a:rPr lang="de-DE" dirty="0">
+                <a:solidFill>
+                  <a:schemeClr val="bg1"/>
+                </a:solidFill>
+              </a:rPr>
+              <a:t>DHCP </a:t>
+            </a:r>
+            <a:r>
+              <a:rPr lang="de-DE" dirty="0" err="1">
+                <a:solidFill>
+                  <a:schemeClr val="bg1"/>
+                </a:solidFill>
+              </a:rPr>
+              <a:t>Requests</a:t>
+            </a:r>
+            <a:r>
+              <a:rPr lang="de-DE" dirty="0">
+                <a:solidFill>
+                  <a:schemeClr val="bg1"/>
+                </a:solidFill>
+              </a:rPr>
+              <a:t> / ungewöhnlich hoher Traffic</a:t>
+            </a:r>
+          </a:p>
+          <a:p>
+            <a:pPr marL="0" indent="0">
+              <a:buNone/>
+            </a:pPr>
+            <a:endParaRPr lang="de-DE" dirty="0">
+              <a:solidFill>
+                <a:schemeClr val="bg1"/>
+              </a:solidFill>
+            </a:endParaRPr>
+          </a:p>
+          <a:p>
+            <a:pPr marL="0" indent="0">
+              <a:buNone/>
+            </a:pPr>
+            <a:endParaRPr lang="de-DE" dirty="0">
+              <a:solidFill>
+                <a:schemeClr val="bg1"/>
+              </a:solidFill>
+            </a:endParaRPr>
+          </a:p>
+        </p:txBody>
+      </p:sp>
+    </p:spTree>
+    <p:extLst>
+      <p:ext uri="{BB962C8B-B14F-4D97-AF65-F5344CB8AC3E}">
+        <p14:creationId xmlns:p14="http://schemas.microsoft.com/office/powerpoint/2010/main" val="3639343130"/>
+      </p:ext>
+    </p:extLst>
+  </p:cSld>
+  <p:clrMapOvr>
+    <a:masterClrMapping/>
+  </p:clrMapOvr>
+</p:sld>
+</file>
+
+<file path=ppt/slides/slide7.xml><?xml version="1.0" encoding="utf-8"?>
+<p:sld xmlns:a="http://schemas.openxmlformats.org/drawingml/2006/main" xmlns:r="http://schemas.openxmlformats.org/officeDocument/2006/relationships" xmlns:p="http://schemas.openxmlformats.org/presentationml/2006/main">
+  <p:cSld>
+    <p:bg>
+      <p:bgPr>
+        <a:blipFill dpi="0" rotWithShape="1">
+          <a:blip r:embed="rId2">
+            <a:lum/>
+          </a:blip>
+          <a:srcRect/>
+          <a:stretch>
+            <a:fillRect t="-9000" b="-9000"/>
+          </a:stretch>
+        </a:blipFill>
+        <a:effectLst/>
+      </p:bgPr>
+    </p:bg>
+    <p:spTree>
+      <p:nvGrpSpPr>
+        <p:cNvPr id="1" name="">
+          <a:extLst>
+            <a:ext uri="{FF2B5EF4-FFF2-40B4-BE49-F238E27FC236}">
               <a16:creationId xmlns:a16="http://schemas.microsoft.com/office/drawing/2014/main" id="{95B890F9-B2D1-D5A5-AE98-A682F135942E}"/>
             </a:ext>
           </a:extLst>
@@ -5509,7 +5780,7 @@
 </p:sld>
 </file>
 
-<file path=ppt/slides/slide7.xml><?xml version="1.0" encoding="utf-8"?>
+<file path=ppt/slides/slide8.xml><?xml version="1.0" encoding="utf-8"?>
 <p:sld xmlns:a="http://schemas.openxmlformats.org/drawingml/2006/main" xmlns:r="http://schemas.openxmlformats.org/officeDocument/2006/relationships" xmlns:p="http://schemas.openxmlformats.org/presentationml/2006/main">
   <p:cSld>
     <p:bg>
@@ -5620,7 +5891,7 @@
 </p:sld>
 </file>
 
-<file path=ppt/slides/slide8.xml><?xml version="1.0" encoding="utf-8"?>
+<file path=ppt/slides/slide9.xml><?xml version="1.0" encoding="utf-8"?>
 <p:sld xmlns:a="http://schemas.openxmlformats.org/drawingml/2006/main" xmlns:r="http://schemas.openxmlformats.org/officeDocument/2006/relationships" xmlns:p="http://schemas.openxmlformats.org/presentationml/2006/main">
   <p:cSld>
     <p:spTree>
